--- a/Lab 8/Lab 8 bài giảng.pptx
+++ b/Lab 8/Lab 8 bài giảng.pptx
@@ -5451,12 +5451,16 @@
               <a:buNone/>
             </a:pPr>
             <a:r>
-              <a:rPr lang="en-US" altLang="en-US" dirty="0"/>
+              <a:rPr lang="en-US" altLang="en-US" b="1" dirty="0"/>
               <a:t>+ </a:t>
             </a:r>
             <a:r>
+              <a:rPr lang="vi-VN" altLang="en-US" b="1" dirty="0"/>
+              <a:t>Tham số *args</a:t>
+            </a:r>
+            <a:r>
               <a:rPr lang="vi-VN" altLang="en-US" dirty="0"/>
-              <a:t>Tham số *args:</a:t>
+              <a:t>:</a:t>
             </a:r>
             <a:r>
               <a:rPr lang="en-US" altLang="en-US" dirty="0"/>
@@ -12407,7 +12411,25 @@
               <a:rPr lang="vi-VN" altLang="en-US" dirty="0">
                 <a:ea typeface="Arial" charset="0"/>
               </a:rPr>
-              <a:t>Biết rắng dãy số Fibonac</a:t>
+              <a:t>Biết r</a:t>
+            </a:r>
+            <a:r>
+              <a:rPr lang="en-US" altLang="en-US" dirty="0">
+                <a:ea typeface="Arial" charset="0"/>
+              </a:rPr>
+              <a:t>ằ</a:t>
+            </a:r>
+            <a:r>
+              <a:rPr lang="vi-VN" altLang="en-US" dirty="0" err="1">
+                <a:ea typeface="Arial" charset="0"/>
+              </a:rPr>
+              <a:t>ng</a:t>
+            </a:r>
+            <a:r>
+              <a:rPr lang="vi-VN" altLang="en-US" dirty="0">
+                <a:ea typeface="Arial" charset="0"/>
+              </a:rPr>
+              <a:t> dãy số Fibonac</a:t>
             </a:r>
             <a:r>
               <a:rPr lang="en-US" altLang="en-US" dirty="0">
@@ -17746,7 +17768,15 @@
             </a:pPr>
             <a:r>
               <a:rPr lang="vi-VN" dirty="0"/>
-              <a:t>Viết chương trình đề in ra màn hình số kể tiếp của số nguyên được người dùng nhập vào từ bàn phím.</a:t>
+              <a:t>Viết chương trình đ</a:t>
+            </a:r>
+            <a:r>
+              <a:rPr lang="en-US" dirty="0"/>
+              <a:t>ể</a:t>
+            </a:r>
+            <a:r>
+              <a:rPr lang="vi-VN" dirty="0"/>
+              <a:t> in ra màn hình số kể tiếp của số nguyên được người dùng nhập vào từ bàn phím.</a:t>
             </a:r>
             <a:endParaRPr lang="en-US" dirty="0"/>
           </a:p>
@@ -17772,7 +17802,19 @@
             </a:r>
             <a:r>
               <a:rPr lang="vi-VN" dirty="0"/>
-              <a:t>: Đình nghĩa một hàm value</a:t>
+              <a:t>: Đ</a:t>
+            </a:r>
+            <a:r>
+              <a:rPr lang="en-US" dirty="0"/>
+              <a:t>ị</a:t>
+            </a:r>
+            <a:r>
+              <a:rPr lang="vi-VN" dirty="0" err="1"/>
+              <a:t>nh</a:t>
+            </a:r>
+            <a:r>
+              <a:rPr lang="vi-VN" dirty="0"/>
+              <a:t> nghĩa một hàm value</a:t>
             </a:r>
             <a:r>
               <a:rPr lang="en-US" dirty="0"/>
@@ -22422,7 +22464,7 @@
               <a:rPr lang="vi-VN" altLang="en-US" dirty="0">
                 <a:ea typeface="Arial" charset="0"/>
               </a:rPr>
-              <a:t>Viết chương trình bao gồm các hàm sau:nhân viên (kể cả lương) ra màn hình bằng cách sử dụng ba hàm trên.</a:t>
+              <a:t>Viết chương trình bao gồm các hàm sau:</a:t>
             </a:r>
             <a:endParaRPr lang="en-US" altLang="en-US" dirty="0">
               <a:ea typeface="Arial" charset="0"/>
@@ -22992,7 +23034,25 @@
               <a:rPr lang="vi-VN" altLang="en-US" dirty="0">
                 <a:ea typeface="Arial" charset="0"/>
               </a:rPr>
-              <a:t>+ Sử dụng map, lambda: Lạo một list chứa bình phương của các số hạng </a:t>
+              <a:t>+ Sử dụng map, lambda: </a:t>
+            </a:r>
+            <a:r>
+              <a:rPr lang="en-US" altLang="en-US" dirty="0">
+                <a:ea typeface="Arial" charset="0"/>
+              </a:rPr>
+              <a:t>T</a:t>
+            </a:r>
+            <a:r>
+              <a:rPr lang="vi-VN" altLang="en-US" dirty="0" err="1">
+                <a:ea typeface="Arial" charset="0"/>
+              </a:rPr>
+              <a:t>ạo</a:t>
+            </a:r>
+            <a:r>
+              <a:rPr lang="vi-VN" altLang="en-US" dirty="0">
+                <a:ea typeface="Arial" charset="0"/>
+              </a:rPr>
+              <a:t> một list chứa bình phương của các số hạng </a:t>
             </a:r>
             <a:r>
               <a:rPr lang="en-US" altLang="en-US" dirty="0" err="1">
@@ -26577,7 +26637,15 @@
             </a:r>
             <a:r>
               <a:rPr lang="vi-VN" altLang="en-US" dirty="0"/>
-              <a:t>Tham số bắt buộc là các tham số mà bạn phải truyền vào hàm theo đúng thứ tự và số lượng đã được định nghĩa.</a:t>
+              <a:t>Tham số bắt buộc là các tham số mà bạn phải truyền vào hàm theo </a:t>
+            </a:r>
+            <a:r>
+              <a:rPr lang="vi-VN" altLang="en-US" b="1" dirty="0"/>
+              <a:t>đúng thứ tự </a:t>
+            </a:r>
+            <a:r>
+              <a:rPr lang="vi-VN" altLang="en-US" dirty="0"/>
+              <a:t>và số lượng đã được định nghĩa.</a:t>
             </a:r>
           </a:p>
           <a:p>
@@ -27170,7 +27238,15 @@
             </a:pPr>
             <a:r>
               <a:rPr lang="vi-VN" altLang="en-US" dirty="0"/>
-              <a:t>Tham số mặc định là các tham số mà bạn có thể xác định giá trị mặc định cho chúng trong quátrình định nghĩa hàm.</a:t>
+              <a:t>Tham số mặc định là các tham số mà bạn có thể xác định giá trị mặc định cho chúng trong quá</a:t>
+            </a:r>
+            <a:r>
+              <a:rPr lang="en-US" altLang="en-US" dirty="0"/>
+              <a:t> </a:t>
+            </a:r>
+            <a:r>
+              <a:rPr lang="vi-VN" altLang="en-US" dirty="0"/>
+              <a:t>trình định nghĩa hàm.</a:t>
             </a:r>
           </a:p>
           <a:p>
